--- a/lstc_2024-03-18.pptx
+++ b/lstc_2024-03-18.pptx
@@ -120,6 +120,14 @@
       </a:defRPr>
     </a:lvl9pPr>
   </p:defaultTextStyle>
+  <p:extLst>
+    <p:ext uri="{EFAFB233-063F-42B5-8137-9DF3F51BA10A}">
+      <p15:sldGuideLst xmlns:p15="http://schemas.microsoft.com/office/powerpoint/2012/main"/>
+    </p:ext>
+    <p:ext uri="{2D200454-40CA-4A62-9FC3-DE9A4176ACB9}">
+      <p15:notesGuideLst xmlns:p15="http://schemas.microsoft.com/office/powerpoint/2012/main"/>
+    </p:ext>
+  </p:extLst>
 </p:presentation>
 </file>
 
@@ -217,7 +225,7 @@
           <a:p>
             <a:fld id="{76F691B9-976F-7A44-BD36-240F0FAEF296}" type="datetimeFigureOut">
               <a:rPr lang="en-US" smtClean="0"/>
-              <a:t>2/12/24</a:t>
+              <a:t>2/13/24</a:t>
             </a:fld>
             <a:endParaRPr lang="en-US"/>
           </a:p>
@@ -461,7 +469,7 @@
           <a:p>
             <a:fld id="{E6C90B0F-8E50-6246-AEFF-93F0A1194237}" type="datetimeFigureOut">
               <a:rPr lang="en-US" smtClean="0"/>
-              <a:t>2/12/24</a:t>
+              <a:t>2/13/24</a:t>
             </a:fld>
             <a:endParaRPr lang="en-US"/>
           </a:p>
@@ -661,7 +669,7 @@
           <a:p>
             <a:fld id="{E6C90B0F-8E50-6246-AEFF-93F0A1194237}" type="datetimeFigureOut">
               <a:rPr lang="en-US" smtClean="0"/>
-              <a:t>2/12/24</a:t>
+              <a:t>2/13/24</a:t>
             </a:fld>
             <a:endParaRPr lang="en-US"/>
           </a:p>
@@ -871,7 +879,7 @@
           <a:p>
             <a:fld id="{E6C90B0F-8E50-6246-AEFF-93F0A1194237}" type="datetimeFigureOut">
               <a:rPr lang="en-US" smtClean="0"/>
-              <a:t>2/12/24</a:t>
+              <a:t>2/13/24</a:t>
             </a:fld>
             <a:endParaRPr lang="en-US"/>
           </a:p>
@@ -1071,7 +1079,7 @@
           <a:p>
             <a:fld id="{E6C90B0F-8E50-6246-AEFF-93F0A1194237}" type="datetimeFigureOut">
               <a:rPr lang="en-US" smtClean="0"/>
-              <a:t>2/12/24</a:t>
+              <a:t>2/13/24</a:t>
             </a:fld>
             <a:endParaRPr lang="en-US"/>
           </a:p>
@@ -1351,7 +1359,7 @@
           <a:p>
             <a:fld id="{E6C90B0F-8E50-6246-AEFF-93F0A1194237}" type="datetimeFigureOut">
               <a:rPr lang="en-US" smtClean="0"/>
-              <a:t>2/12/24</a:t>
+              <a:t>2/13/24</a:t>
             </a:fld>
             <a:endParaRPr lang="en-US"/>
           </a:p>
@@ -1619,7 +1627,7 @@
           <a:p>
             <a:fld id="{E6C90B0F-8E50-6246-AEFF-93F0A1194237}" type="datetimeFigureOut">
               <a:rPr lang="en-US" smtClean="0"/>
-              <a:t>2/12/24</a:t>
+              <a:t>2/13/24</a:t>
             </a:fld>
             <a:endParaRPr lang="en-US"/>
           </a:p>
@@ -2034,7 +2042,7 @@
           <a:p>
             <a:fld id="{E6C90B0F-8E50-6246-AEFF-93F0A1194237}" type="datetimeFigureOut">
               <a:rPr lang="en-US" smtClean="0"/>
-              <a:t>2/12/24</a:t>
+              <a:t>2/13/24</a:t>
             </a:fld>
             <a:endParaRPr lang="en-US"/>
           </a:p>
@@ -2176,7 +2184,7 @@
           <a:p>
             <a:fld id="{E6C90B0F-8E50-6246-AEFF-93F0A1194237}" type="datetimeFigureOut">
               <a:rPr lang="en-US" smtClean="0"/>
-              <a:t>2/12/24</a:t>
+              <a:t>2/13/24</a:t>
             </a:fld>
             <a:endParaRPr lang="en-US"/>
           </a:p>
@@ -2289,7 +2297,7 @@
           <a:p>
             <a:fld id="{E6C90B0F-8E50-6246-AEFF-93F0A1194237}" type="datetimeFigureOut">
               <a:rPr lang="en-US" smtClean="0"/>
-              <a:t>2/12/24</a:t>
+              <a:t>2/13/24</a:t>
             </a:fld>
             <a:endParaRPr lang="en-US"/>
           </a:p>
@@ -2602,7 +2610,7 @@
           <a:p>
             <a:fld id="{E6C90B0F-8E50-6246-AEFF-93F0A1194237}" type="datetimeFigureOut">
               <a:rPr lang="en-US" smtClean="0"/>
-              <a:t>2/12/24</a:t>
+              <a:t>2/13/24</a:t>
             </a:fld>
             <a:endParaRPr lang="en-US"/>
           </a:p>
@@ -2891,7 +2899,7 @@
           <a:p>
             <a:fld id="{E6C90B0F-8E50-6246-AEFF-93F0A1194237}" type="datetimeFigureOut">
               <a:rPr lang="en-US" smtClean="0"/>
-              <a:t>2/12/24</a:t>
+              <a:t>2/13/24</a:t>
             </a:fld>
             <a:endParaRPr lang="en-US"/>
           </a:p>
@@ -3137,7 +3145,7 @@
             <a:fld id="{E6C90B0F-8E50-6246-AEFF-93F0A1194237}" type="datetimeFigureOut">
               <a:rPr lang="en-US" smtClean="0"/>
               <a:pPr/>
-              <a:t>2/12/24</a:t>
+              <a:t>2/13/24</a:t>
             </a:fld>
             <a:endParaRPr lang="en-US"/>
           </a:p>
@@ -4157,6 +4165,18 @@
   <p:clrMapOvr>
     <a:masterClrMapping/>
   </p:clrMapOvr>
+  <mc:AlternateContent xmlns:mc="http://schemas.openxmlformats.org/markup-compatibility/2006">
+    <mc:Choice xmlns:p14="http://schemas.microsoft.com/office/powerpoint/2010/main" Requires="p14">
+      <p:transition spd="slow">
+        <p14:pan dir="u"/>
+      </p:transition>
+    </mc:Choice>
+    <mc:Fallback>
+      <p:transition spd="slow">
+        <p:fade/>
+      </p:transition>
+    </mc:Fallback>
+  </mc:AlternateContent>
 </p:sld>
 </file>
 
@@ -4246,6 +4266,18 @@
   <p:clrMapOvr>
     <a:masterClrMapping/>
   </p:clrMapOvr>
+  <mc:AlternateContent xmlns:mc="http://schemas.openxmlformats.org/markup-compatibility/2006">
+    <mc:Choice xmlns:p14="http://schemas.microsoft.com/office/powerpoint/2010/main" Requires="p14">
+      <p:transition spd="slow">
+        <p14:pan dir="u"/>
+      </p:transition>
+    </mc:Choice>
+    <mc:Fallback>
+      <p:transition spd="slow">
+        <p:fade/>
+      </p:transition>
+    </mc:Fallback>
+  </mc:AlternateContent>
 </p:sld>
 </file>
 
@@ -4395,6 +4427,18 @@
   <p:clrMapOvr>
     <a:masterClrMapping/>
   </p:clrMapOvr>
+  <mc:AlternateContent xmlns:mc="http://schemas.openxmlformats.org/markup-compatibility/2006">
+    <mc:Choice xmlns:p14="http://schemas.microsoft.com/office/powerpoint/2010/main" Requires="p14">
+      <p:transition spd="slow">
+        <p14:pan dir="u"/>
+      </p:transition>
+    </mc:Choice>
+    <mc:Fallback>
+      <p:transition spd="slow">
+        <p:fade/>
+      </p:transition>
+    </mc:Fallback>
+  </mc:AlternateContent>
 </p:sld>
 </file>
 
@@ -4623,6 +4667,18 @@
   <p:clrMapOvr>
     <a:masterClrMapping/>
   </p:clrMapOvr>
+  <mc:AlternateContent xmlns:mc="http://schemas.openxmlformats.org/markup-compatibility/2006">
+    <mc:Choice xmlns:p14="http://schemas.microsoft.com/office/powerpoint/2010/main" Requires="p14">
+      <p:transition spd="slow">
+        <p14:pan dir="u"/>
+      </p:transition>
+    </mc:Choice>
+    <mc:Fallback>
+      <p:transition spd="slow">
+        <p:fade/>
+      </p:transition>
+    </mc:Fallback>
+  </mc:AlternateContent>
 </p:sld>
 </file>
 
@@ -4758,6 +4814,18 @@
   <p:clrMapOvr>
     <a:masterClrMapping/>
   </p:clrMapOvr>
+  <mc:AlternateContent xmlns:mc="http://schemas.openxmlformats.org/markup-compatibility/2006">
+    <mc:Choice xmlns:p14="http://schemas.microsoft.com/office/powerpoint/2010/main" Requires="p14">
+      <p:transition spd="slow">
+        <p14:pan dir="u"/>
+      </p:transition>
+    </mc:Choice>
+    <mc:Fallback>
+      <p:transition spd="slow">
+        <p:fade/>
+      </p:transition>
+    </mc:Fallback>
+  </mc:AlternateContent>
 </p:sld>
 </file>
 
@@ -4956,6 +5024,18 @@
   <p:clrMapOvr>
     <a:masterClrMapping/>
   </p:clrMapOvr>
+  <mc:AlternateContent xmlns:mc="http://schemas.openxmlformats.org/markup-compatibility/2006">
+    <mc:Choice xmlns:p14="http://schemas.microsoft.com/office/powerpoint/2010/main" Requires="p14">
+      <p:transition spd="slow">
+        <p14:pan dir="u"/>
+      </p:transition>
+    </mc:Choice>
+    <mc:Fallback>
+      <p:transition spd="slow">
+        <p:fade/>
+      </p:transition>
+    </mc:Fallback>
+  </mc:AlternateContent>
 </p:sld>
 </file>
 
@@ -5063,6 +5143,18 @@
   <p:clrMapOvr>
     <a:masterClrMapping/>
   </p:clrMapOvr>
+  <mc:AlternateContent xmlns:mc="http://schemas.openxmlformats.org/markup-compatibility/2006">
+    <mc:Choice xmlns:p14="http://schemas.microsoft.com/office/powerpoint/2010/main" Requires="p14">
+      <p:transition spd="slow">
+        <p14:pan dir="u"/>
+      </p:transition>
+    </mc:Choice>
+    <mc:Fallback>
+      <p:transition spd="slow">
+        <p:fade/>
+      </p:transition>
+    </mc:Fallback>
+  </mc:AlternateContent>
 </p:sld>
 </file>
 
@@ -5170,6 +5262,18 @@
   <p:clrMapOvr>
     <a:masterClrMapping/>
   </p:clrMapOvr>
+  <mc:AlternateContent xmlns:mc="http://schemas.openxmlformats.org/markup-compatibility/2006">
+    <mc:Choice xmlns:p14="http://schemas.microsoft.com/office/powerpoint/2010/main" Requires="p14">
+      <p:transition spd="slow">
+        <p14:pan dir="u"/>
+      </p:transition>
+    </mc:Choice>
+    <mc:Fallback>
+      <p:transition spd="slow">
+        <p:fade/>
+      </p:transition>
+    </mc:Fallback>
+  </mc:AlternateContent>
 </p:sld>
 </file>
 
@@ -5262,6 +5366,18 @@
   <p:clrMapOvr>
     <a:masterClrMapping/>
   </p:clrMapOvr>
+  <mc:AlternateContent xmlns:mc="http://schemas.openxmlformats.org/markup-compatibility/2006">
+    <mc:Choice xmlns:p14="http://schemas.microsoft.com/office/powerpoint/2010/main" Requires="p14">
+      <p:transition spd="slow">
+        <p14:pan dir="u"/>
+      </p:transition>
+    </mc:Choice>
+    <mc:Fallback>
+      <p:transition spd="slow">
+        <p:fade/>
+      </p:transition>
+    </mc:Fallback>
+  </mc:AlternateContent>
 </p:sld>
 </file>
 
@@ -5408,6 +5524,18 @@
   <p:clrMapOvr>
     <a:masterClrMapping/>
   </p:clrMapOvr>
+  <mc:AlternateContent xmlns:mc="http://schemas.openxmlformats.org/markup-compatibility/2006">
+    <mc:Choice xmlns:p14="http://schemas.microsoft.com/office/powerpoint/2010/main" Requires="p14">
+      <p:transition spd="slow">
+        <p14:pan dir="u"/>
+      </p:transition>
+    </mc:Choice>
+    <mc:Fallback>
+      <p:transition spd="slow">
+        <p:fade/>
+      </p:transition>
+    </mc:Fallback>
+  </mc:AlternateContent>
 </p:sld>
 </file>
 
@@ -5566,6 +5694,18 @@
   <p:clrMapOvr>
     <a:masterClrMapping/>
   </p:clrMapOvr>
+  <mc:AlternateContent xmlns:mc="http://schemas.openxmlformats.org/markup-compatibility/2006">
+    <mc:Choice xmlns:p14="http://schemas.microsoft.com/office/powerpoint/2010/main" Requires="p14">
+      <p:transition spd="slow">
+        <p14:pan dir="u"/>
+      </p:transition>
+    </mc:Choice>
+    <mc:Fallback>
+      <p:transition spd="slow">
+        <p:fade/>
+      </p:transition>
+    </mc:Fallback>
+  </mc:AlternateContent>
 </p:sld>
 </file>
 
@@ -5703,6 +5843,18 @@
   <p:clrMapOvr>
     <a:masterClrMapping/>
   </p:clrMapOvr>
+  <mc:AlternateContent xmlns:mc="http://schemas.openxmlformats.org/markup-compatibility/2006">
+    <mc:Choice xmlns:p14="http://schemas.microsoft.com/office/powerpoint/2010/main" Requires="p14">
+      <p:transition spd="slow">
+        <p14:pan dir="u"/>
+      </p:transition>
+    </mc:Choice>
+    <mc:Fallback>
+      <p:transition spd="slow">
+        <p:fade/>
+      </p:transition>
+    </mc:Fallback>
+  </mc:AlternateContent>
 </p:sld>
 </file>
 
@@ -5850,6 +6002,18 @@
   <p:clrMapOvr>
     <a:masterClrMapping/>
   </p:clrMapOvr>
+  <mc:AlternateContent xmlns:mc="http://schemas.openxmlformats.org/markup-compatibility/2006">
+    <mc:Choice xmlns:p14="http://schemas.microsoft.com/office/powerpoint/2010/main" Requires="p14">
+      <p:transition spd="slow">
+        <p14:pan dir="u"/>
+      </p:transition>
+    </mc:Choice>
+    <mc:Fallback>
+      <p:transition spd="slow">
+        <p:fade/>
+      </p:transition>
+    </mc:Fallback>
+  </mc:AlternateContent>
 </p:sld>
 </file>
 

--- a/lstc_2024-03-18.pptx
+++ b/lstc_2024-03-18.pptx
@@ -225,7 +225,7 @@
           <a:p>
             <a:fld id="{76F691B9-976F-7A44-BD36-240F0FAEF296}" type="datetimeFigureOut">
               <a:rPr lang="en-US" smtClean="0"/>
-              <a:t>2/13/24</a:t>
+              <a:t>3/18/24</a:t>
             </a:fld>
             <a:endParaRPr lang="en-US"/>
           </a:p>
@@ -469,7 +469,7 @@
           <a:p>
             <a:fld id="{E6C90B0F-8E50-6246-AEFF-93F0A1194237}" type="datetimeFigureOut">
               <a:rPr lang="en-US" smtClean="0"/>
-              <a:t>2/13/24</a:t>
+              <a:t>3/18/24</a:t>
             </a:fld>
             <a:endParaRPr lang="en-US"/>
           </a:p>
@@ -669,7 +669,7 @@
           <a:p>
             <a:fld id="{E6C90B0F-8E50-6246-AEFF-93F0A1194237}" type="datetimeFigureOut">
               <a:rPr lang="en-US" smtClean="0"/>
-              <a:t>2/13/24</a:t>
+              <a:t>3/18/24</a:t>
             </a:fld>
             <a:endParaRPr lang="en-US"/>
           </a:p>
@@ -879,7 +879,7 @@
           <a:p>
             <a:fld id="{E6C90B0F-8E50-6246-AEFF-93F0A1194237}" type="datetimeFigureOut">
               <a:rPr lang="en-US" smtClean="0"/>
-              <a:t>2/13/24</a:t>
+              <a:t>3/18/24</a:t>
             </a:fld>
             <a:endParaRPr lang="en-US"/>
           </a:p>
@@ -1079,7 +1079,7 @@
           <a:p>
             <a:fld id="{E6C90B0F-8E50-6246-AEFF-93F0A1194237}" type="datetimeFigureOut">
               <a:rPr lang="en-US" smtClean="0"/>
-              <a:t>2/13/24</a:t>
+              <a:t>3/18/24</a:t>
             </a:fld>
             <a:endParaRPr lang="en-US"/>
           </a:p>
@@ -1359,7 +1359,7 @@
           <a:p>
             <a:fld id="{E6C90B0F-8E50-6246-AEFF-93F0A1194237}" type="datetimeFigureOut">
               <a:rPr lang="en-US" smtClean="0"/>
-              <a:t>2/13/24</a:t>
+              <a:t>3/18/24</a:t>
             </a:fld>
             <a:endParaRPr lang="en-US"/>
           </a:p>
@@ -1627,7 +1627,7 @@
           <a:p>
             <a:fld id="{E6C90B0F-8E50-6246-AEFF-93F0A1194237}" type="datetimeFigureOut">
               <a:rPr lang="en-US" smtClean="0"/>
-              <a:t>2/13/24</a:t>
+              <a:t>3/18/24</a:t>
             </a:fld>
             <a:endParaRPr lang="en-US"/>
           </a:p>
@@ -2042,7 +2042,7 @@
           <a:p>
             <a:fld id="{E6C90B0F-8E50-6246-AEFF-93F0A1194237}" type="datetimeFigureOut">
               <a:rPr lang="en-US" smtClean="0"/>
-              <a:t>2/13/24</a:t>
+              <a:t>3/18/24</a:t>
             </a:fld>
             <a:endParaRPr lang="en-US"/>
           </a:p>
@@ -2184,7 +2184,7 @@
           <a:p>
             <a:fld id="{E6C90B0F-8E50-6246-AEFF-93F0A1194237}" type="datetimeFigureOut">
               <a:rPr lang="en-US" smtClean="0"/>
-              <a:t>2/13/24</a:t>
+              <a:t>3/18/24</a:t>
             </a:fld>
             <a:endParaRPr lang="en-US"/>
           </a:p>
@@ -2297,7 +2297,7 @@
           <a:p>
             <a:fld id="{E6C90B0F-8E50-6246-AEFF-93F0A1194237}" type="datetimeFigureOut">
               <a:rPr lang="en-US" smtClean="0"/>
-              <a:t>2/13/24</a:t>
+              <a:t>3/18/24</a:t>
             </a:fld>
             <a:endParaRPr lang="en-US"/>
           </a:p>
@@ -2610,7 +2610,7 @@
           <a:p>
             <a:fld id="{E6C90B0F-8E50-6246-AEFF-93F0A1194237}" type="datetimeFigureOut">
               <a:rPr lang="en-US" smtClean="0"/>
-              <a:t>2/13/24</a:t>
+              <a:t>3/18/24</a:t>
             </a:fld>
             <a:endParaRPr lang="en-US"/>
           </a:p>
@@ -2899,7 +2899,7 @@
           <a:p>
             <a:fld id="{E6C90B0F-8E50-6246-AEFF-93F0A1194237}" type="datetimeFigureOut">
               <a:rPr lang="en-US" smtClean="0"/>
-              <a:t>2/13/24</a:t>
+              <a:t>3/18/24</a:t>
             </a:fld>
             <a:endParaRPr lang="en-US"/>
           </a:p>
@@ -3145,7 +3145,7 @@
             <a:fld id="{E6C90B0F-8E50-6246-AEFF-93F0A1194237}" type="datetimeFigureOut">
               <a:rPr lang="en-US" smtClean="0"/>
               <a:pPr/>
-              <a:t>2/13/24</a:t>
+              <a:t>3/18/24</a:t>
             </a:fld>
             <a:endParaRPr lang="en-US"/>
           </a:p>
@@ -4026,7 +4026,7 @@
               <a:rPr lang="en-US" dirty="0">
                 <a:hlinkClick r:id="rId2"/>
               </a:rPr>
-              <a:t>https://github.com/letsseethecode/lstc-website</a:t>
+              <a:t>https://github.com/letsseethecode/lstc_website</a:t>
             </a:r>
             <a:endParaRPr lang="en-US" dirty="0"/>
           </a:p>
@@ -4059,6 +4059,13 @@
             <a:r>
               <a:rPr lang="en-US" dirty="0"/>
               <a:t> microcontroller</a:t>
+            </a:r>
+          </a:p>
+          <a:p>
+            <a:pPr lvl="1"/>
+            <a:r>
+              <a:rPr lang="en-US" dirty="0"/>
+              <a:t>micro-electronics</a:t>
             </a:r>
           </a:p>
           <a:p>
@@ -4067,7 +4074,17 @@
               <a:rPr lang="en-US" dirty="0">
                 <a:hlinkClick r:id="rId3"/>
               </a:rPr>
-              <a:t>https://github.com/letsseethecode/lstc-stream-deck</a:t>
+              <a:t>https://github.com/letsseethecode/lstc_stream_deck</a:t>
+            </a:r>
+            <a:endParaRPr lang="en-US" dirty="0"/>
+          </a:p>
+          <a:p>
+            <a:pPr lvl="1"/>
+            <a:r>
+              <a:rPr lang="en-US" dirty="0">
+                <a:hlinkClick r:id="rId3"/>
+              </a:rPr>
+              <a:t>https://github.com/letsseethecode/arduino-nano-iot</a:t>
             </a:r>
             <a:endParaRPr lang="en-US" dirty="0"/>
           </a:p>
@@ -4078,7 +4095,15 @@
           <a:p>
             <a:r>
               <a:rPr lang="en-US" dirty="0"/>
-              <a:t>front-end project (TBC)</a:t>
+              <a:t>front-end project (</a:t>
+            </a:r>
+            <a:r>
+              <a:rPr lang="en-US" dirty="0" err="1"/>
+              <a:t>LSTCxFWK</a:t>
+            </a:r>
+            <a:r>
+              <a:rPr lang="en-US" dirty="0"/>
+              <a:t>)</a:t>
             </a:r>
           </a:p>
           <a:p>
@@ -4092,10 +4117,9 @@
           <a:p>
             <a:pPr lvl="1"/>
             <a:r>
-              <a:rPr lang="en-US" dirty="0" err="1"/>
-              <a:t>gsap</a:t>
-            </a:r>
-            <a:endParaRPr lang="en-US" dirty="0"/>
+              <a:rPr lang="en-US" dirty="0"/>
+              <a:t>CMS</a:t>
+            </a:r>
           </a:p>
           <a:p>
             <a:pPr lvl="1"/>
@@ -4137,8 +4161,13 @@
             </a:r>
             <a:r>
               <a:rPr lang="en-US" dirty="0"/>
-              <a:t>/???</a:t>
-            </a:r>
+              <a:t>/</a:t>
+            </a:r>
+            <a:r>
+              <a:rPr lang="en-US" dirty="0" err="1"/>
+              <a:t>lstc_fwk</a:t>
+            </a:r>
+            <a:endParaRPr lang="en-US" dirty="0"/>
           </a:p>
           <a:p>
             <a:pPr lvl="1"/>
@@ -4165,13 +4194,13 @@
   <p:clrMapOvr>
     <a:masterClrMapping/>
   </p:clrMapOvr>
-  <mc:AlternateContent xmlns:mc="http://schemas.openxmlformats.org/markup-compatibility/2006">
-    <mc:Choice xmlns:p14="http://schemas.microsoft.com/office/powerpoint/2010/main" Requires="p14">
+  <mc:AlternateContent xmlns:mc="http://schemas.openxmlformats.org/markup-compatibility/2006" xmlns:p14="http://schemas.microsoft.com/office/powerpoint/2010/main">
+    <mc:Choice Requires="p14">
       <p:transition spd="slow">
         <p14:pan dir="u"/>
       </p:transition>
     </mc:Choice>
-    <mc:Fallback>
+    <mc:Fallback xmlns="">
       <p:transition spd="slow">
         <p:fade/>
       </p:transition>
@@ -4266,13 +4295,13 @@
   <p:clrMapOvr>
     <a:masterClrMapping/>
   </p:clrMapOvr>
-  <mc:AlternateContent xmlns:mc="http://schemas.openxmlformats.org/markup-compatibility/2006">
-    <mc:Choice xmlns:p14="http://schemas.microsoft.com/office/powerpoint/2010/main" Requires="p14">
+  <mc:AlternateContent xmlns:mc="http://schemas.openxmlformats.org/markup-compatibility/2006" xmlns:p14="http://schemas.microsoft.com/office/powerpoint/2010/main">
+    <mc:Choice Requires="p14">
       <p:transition spd="slow">
         <p14:pan dir="u"/>
       </p:transition>
     </mc:Choice>
-    <mc:Fallback>
+    <mc:Fallback xmlns="">
       <p:transition spd="slow">
         <p:fade/>
       </p:transition>
@@ -4387,6 +4416,34 @@
             </a:pPr>
             <a:r>
               <a:rPr lang="en-US" sz="2400" dirty="0" err="1"/>
+              <a:t>LSTCxFWK</a:t>
+            </a:r>
+            <a:endParaRPr lang="en-US" sz="2400" dirty="0"/>
+          </a:p>
+          <a:p>
+            <a:pPr marL="457200" lvl="1" indent="0">
+              <a:buNone/>
+            </a:pPr>
+            <a:r>
+              <a:rPr lang="en-US" sz="2000" dirty="0">
+                <a:hlinkClick r:id="rId3"/>
+              </a:rPr>
+              <a:t>https://github.com/letsseethecode/lstc_fwk</a:t>
+            </a:r>
+            <a:endParaRPr lang="en-US" sz="2000" dirty="0"/>
+          </a:p>
+          <a:p>
+            <a:pPr marL="0" indent="0">
+              <a:buNone/>
+            </a:pPr>
+            <a:endParaRPr lang="en-US" sz="2400" dirty="0"/>
+          </a:p>
+          <a:p>
+            <a:pPr marL="0" indent="0">
+              <a:buNone/>
+            </a:pPr>
+            <a:r>
+              <a:rPr lang="en-US" sz="2400" dirty="0" err="1"/>
               <a:t>arduiono</a:t>
             </a:r>
             <a:r>
@@ -4427,13 +4484,13 @@
   <p:clrMapOvr>
     <a:masterClrMapping/>
   </p:clrMapOvr>
-  <mc:AlternateContent xmlns:mc="http://schemas.openxmlformats.org/markup-compatibility/2006">
-    <mc:Choice xmlns:p14="http://schemas.microsoft.com/office/powerpoint/2010/main" Requires="p14">
+  <mc:AlternateContent xmlns:mc="http://schemas.openxmlformats.org/markup-compatibility/2006" xmlns:p14="http://schemas.microsoft.com/office/powerpoint/2010/main">
+    <mc:Choice Requires="p14">
       <p:transition spd="slow">
         <p14:pan dir="u"/>
       </p:transition>
     </mc:Choice>
-    <mc:Fallback>
+    <mc:Fallback xmlns="">
       <p:transition spd="slow">
         <p:fade/>
       </p:transition>
@@ -4667,13 +4724,13 @@
   <p:clrMapOvr>
     <a:masterClrMapping/>
   </p:clrMapOvr>
-  <mc:AlternateContent xmlns:mc="http://schemas.openxmlformats.org/markup-compatibility/2006">
-    <mc:Choice xmlns:p14="http://schemas.microsoft.com/office/powerpoint/2010/main" Requires="p14">
+  <mc:AlternateContent xmlns:mc="http://schemas.openxmlformats.org/markup-compatibility/2006" xmlns:p14="http://schemas.microsoft.com/office/powerpoint/2010/main">
+    <mc:Choice Requires="p14">
       <p:transition spd="slow">
         <p14:pan dir="u"/>
       </p:transition>
     </mc:Choice>
-    <mc:Fallback>
+    <mc:Fallback xmlns="">
       <p:transition spd="slow">
         <p:fade/>
       </p:transition>
@@ -4814,13 +4871,13 @@
   <p:clrMapOvr>
     <a:masterClrMapping/>
   </p:clrMapOvr>
-  <mc:AlternateContent xmlns:mc="http://schemas.openxmlformats.org/markup-compatibility/2006">
-    <mc:Choice xmlns:p14="http://schemas.microsoft.com/office/powerpoint/2010/main" Requires="p14">
+  <mc:AlternateContent xmlns:mc="http://schemas.openxmlformats.org/markup-compatibility/2006" xmlns:p14="http://schemas.microsoft.com/office/powerpoint/2010/main">
+    <mc:Choice Requires="p14">
       <p:transition spd="slow">
         <p14:pan dir="u"/>
       </p:transition>
     </mc:Choice>
-    <mc:Fallback>
+    <mc:Fallback xmlns="">
       <p:transition spd="slow">
         <p:fade/>
       </p:transition>
@@ -5024,13 +5081,13 @@
   <p:clrMapOvr>
     <a:masterClrMapping/>
   </p:clrMapOvr>
-  <mc:AlternateContent xmlns:mc="http://schemas.openxmlformats.org/markup-compatibility/2006">
-    <mc:Choice xmlns:p14="http://schemas.microsoft.com/office/powerpoint/2010/main" Requires="p14">
+  <mc:AlternateContent xmlns:mc="http://schemas.openxmlformats.org/markup-compatibility/2006" xmlns:p14="http://schemas.microsoft.com/office/powerpoint/2010/main">
+    <mc:Choice Requires="p14">
       <p:transition spd="slow">
         <p14:pan dir="u"/>
       </p:transition>
     </mc:Choice>
-    <mc:Fallback>
+    <mc:Fallback xmlns="">
       <p:transition spd="slow">
         <p:fade/>
       </p:transition>
@@ -5143,13 +5200,13 @@
   <p:clrMapOvr>
     <a:masterClrMapping/>
   </p:clrMapOvr>
-  <mc:AlternateContent xmlns:mc="http://schemas.openxmlformats.org/markup-compatibility/2006">
-    <mc:Choice xmlns:p14="http://schemas.microsoft.com/office/powerpoint/2010/main" Requires="p14">
+  <mc:AlternateContent xmlns:mc="http://schemas.openxmlformats.org/markup-compatibility/2006" xmlns:p14="http://schemas.microsoft.com/office/powerpoint/2010/main">
+    <mc:Choice Requires="p14">
       <p:transition spd="slow">
         <p14:pan dir="u"/>
       </p:transition>
     </mc:Choice>
-    <mc:Fallback>
+    <mc:Fallback xmlns="">
       <p:transition spd="slow">
         <p:fade/>
       </p:transition>
@@ -5262,13 +5319,13 @@
   <p:clrMapOvr>
     <a:masterClrMapping/>
   </p:clrMapOvr>
-  <mc:AlternateContent xmlns:mc="http://schemas.openxmlformats.org/markup-compatibility/2006">
-    <mc:Choice xmlns:p14="http://schemas.microsoft.com/office/powerpoint/2010/main" Requires="p14">
+  <mc:AlternateContent xmlns:mc="http://schemas.openxmlformats.org/markup-compatibility/2006" xmlns:p14="http://schemas.microsoft.com/office/powerpoint/2010/main">
+    <mc:Choice Requires="p14">
       <p:transition spd="slow">
         <p14:pan dir="u"/>
       </p:transition>
     </mc:Choice>
-    <mc:Fallback>
+    <mc:Fallback xmlns="">
       <p:transition spd="slow">
         <p:fade/>
       </p:transition>
@@ -5366,13 +5423,13 @@
   <p:clrMapOvr>
     <a:masterClrMapping/>
   </p:clrMapOvr>
-  <mc:AlternateContent xmlns:mc="http://schemas.openxmlformats.org/markup-compatibility/2006">
-    <mc:Choice xmlns:p14="http://schemas.microsoft.com/office/powerpoint/2010/main" Requires="p14">
+  <mc:AlternateContent xmlns:mc="http://schemas.openxmlformats.org/markup-compatibility/2006" xmlns:p14="http://schemas.microsoft.com/office/powerpoint/2010/main">
+    <mc:Choice Requires="p14">
       <p:transition spd="slow">
         <p14:pan dir="u"/>
       </p:transition>
     </mc:Choice>
-    <mc:Fallback>
+    <mc:Fallback xmlns="">
       <p:transition spd="slow">
         <p:fade/>
       </p:transition>
@@ -5524,13 +5581,13 @@
   <p:clrMapOvr>
     <a:masterClrMapping/>
   </p:clrMapOvr>
-  <mc:AlternateContent xmlns:mc="http://schemas.openxmlformats.org/markup-compatibility/2006">
-    <mc:Choice xmlns:p14="http://schemas.microsoft.com/office/powerpoint/2010/main" Requires="p14">
+  <mc:AlternateContent xmlns:mc="http://schemas.openxmlformats.org/markup-compatibility/2006" xmlns:p14="http://schemas.microsoft.com/office/powerpoint/2010/main">
+    <mc:Choice Requires="p14">
       <p:transition spd="slow">
         <p14:pan dir="u"/>
       </p:transition>
     </mc:Choice>
-    <mc:Fallback>
+    <mc:Fallback xmlns="">
       <p:transition spd="slow">
         <p:fade/>
       </p:transition>
@@ -5694,13 +5751,13 @@
   <p:clrMapOvr>
     <a:masterClrMapping/>
   </p:clrMapOvr>
-  <mc:AlternateContent xmlns:mc="http://schemas.openxmlformats.org/markup-compatibility/2006">
-    <mc:Choice xmlns:p14="http://schemas.microsoft.com/office/powerpoint/2010/main" Requires="p14">
+  <mc:AlternateContent xmlns:mc="http://schemas.openxmlformats.org/markup-compatibility/2006" xmlns:p14="http://schemas.microsoft.com/office/powerpoint/2010/main">
+    <mc:Choice Requires="p14">
       <p:transition spd="slow">
         <p14:pan dir="u"/>
       </p:transition>
     </mc:Choice>
-    <mc:Fallback>
+    <mc:Fallback xmlns="">
       <p:transition spd="slow">
         <p:fade/>
       </p:transition>
@@ -5843,13 +5900,13 @@
   <p:clrMapOvr>
     <a:masterClrMapping/>
   </p:clrMapOvr>
-  <mc:AlternateContent xmlns:mc="http://schemas.openxmlformats.org/markup-compatibility/2006">
-    <mc:Choice xmlns:p14="http://schemas.microsoft.com/office/powerpoint/2010/main" Requires="p14">
+  <mc:AlternateContent xmlns:mc="http://schemas.openxmlformats.org/markup-compatibility/2006" xmlns:p14="http://schemas.microsoft.com/office/powerpoint/2010/main">
+    <mc:Choice Requires="p14">
       <p:transition spd="slow">
         <p14:pan dir="u"/>
       </p:transition>
     </mc:Choice>
-    <mc:Fallback>
+    <mc:Fallback xmlns="">
       <p:transition spd="slow">
         <p:fade/>
       </p:transition>
@@ -6002,13 +6059,13 @@
   <p:clrMapOvr>
     <a:masterClrMapping/>
   </p:clrMapOvr>
-  <mc:AlternateContent xmlns:mc="http://schemas.openxmlformats.org/markup-compatibility/2006">
-    <mc:Choice xmlns:p14="http://schemas.microsoft.com/office/powerpoint/2010/main" Requires="p14">
+  <mc:AlternateContent xmlns:mc="http://schemas.openxmlformats.org/markup-compatibility/2006" xmlns:p14="http://schemas.microsoft.com/office/powerpoint/2010/main">
+    <mc:Choice Requires="p14">
       <p:transition spd="slow">
         <p14:pan dir="u"/>
       </p:transition>
     </mc:Choice>
-    <mc:Fallback>
+    <mc:Fallback xmlns="">
       <p:transition spd="slow">
         <p:fade/>
       </p:transition>
